--- a/evaluation/evaluation_template.pptx
+++ b/evaluation/evaluation_template.pptx
@@ -8956,6 +8956,10 @@
                       <a:pPr>
                         <a:defRPr/>
                       </a:pPr>
+                      <a:r>
+                        <a:rPr lang="zh-CN" sz="1400"/>
+                        <a:t>P</a:t>
+                      </a:r>
                       <a:endParaRPr lang="zh-CN" sz="1400"/>
                     </a:p>
                   </a:txBody>
@@ -9183,6 +9187,10 @@
                       <a:pPr>
                         <a:defRPr/>
                       </a:pPr>
+                      <a:r>
+                        <a:rPr lang="zh-CN" sz="1400"/>
+                        <a:t>P</a:t>
+                      </a:r>
                       <a:endParaRPr lang="zh-CN" sz="1400"/>
                     </a:p>
                   </a:txBody>
@@ -9410,6 +9418,10 @@
                       <a:pPr>
                         <a:defRPr/>
                       </a:pPr>
+                      <a:r>
+                        <a:rPr lang="zh-CN" sz="1400"/>
+                        <a:t>P</a:t>
+                      </a:r>
                       <a:endParaRPr lang="zh-CN" sz="1400"/>
                     </a:p>
                   </a:txBody>
@@ -9645,6 +9657,14 @@
                       <a:pPr>
                         <a:defRPr/>
                       </a:pPr>
+                      <a:r>
+                        <a:rPr lang="zh-CN" sz="1400">
+                          <a:solidFill>
+                            <a:schemeClr val="tx1"/>
+                          </a:solidFill>
+                        </a:rPr>
+                        <a:t>P</a:t>
+                      </a:r>
                       <a:endParaRPr lang="zh-CN" sz="1400">
                         <a:solidFill>
                           <a:schemeClr val="tx1"/>
@@ -9904,6 +9924,10 @@
                       <a:pPr>
                         <a:defRPr/>
                       </a:pPr>
+                      <a:r>
+                        <a:rPr lang="zh-CN" sz="1400"/>
+                        <a:t>P</a:t>
+                      </a:r>
                       <a:endParaRPr lang="zh-CN" sz="1400"/>
                     </a:p>
                   </a:txBody>
@@ -10127,6 +10151,10 @@
                       <a:pPr>
                         <a:defRPr/>
                       </a:pPr>
+                      <a:r>
+                        <a:rPr lang="zh-CN" sz="1400"/>
+                        <a:t>P</a:t>
+                      </a:r>
                       <a:endParaRPr lang="zh-CN" sz="1400"/>
                     </a:p>
                   </a:txBody>
@@ -10384,6 +10412,14 @@
                       <a:pPr>
                         <a:defRPr/>
                       </a:pPr>
+                      <a:r>
+                        <a:rPr lang="zh-CN" sz="1400">
+                          <a:solidFill>
+                            <a:schemeClr val="tx1"/>
+                          </a:solidFill>
+                        </a:rPr>
+                        <a:t>P</a:t>
+                      </a:r>
                       <a:endParaRPr lang="zh-CN" sz="1400">
                         <a:solidFill>
                           <a:schemeClr val="tx1"/>
